--- a/Computer Science Discoveries/Lectures/Lecture 0 - Problems and Problem Solving.pptx
+++ b/Computer Science Discoveries/Lectures/Lecture 0 - Problems and Problem Solving.pptx
@@ -14943,7 +14943,7 @@
                 </a:solidFill>
                 <a:latin typeface="Calibri" panose="020F0502020204030204"/>
               </a:rPr>
-              <a:t>Steps 1 – Obtain list of entries:</a:t>
+              <a:t>Step 1 – Obtain list of entries:</a:t>
             </a:r>
           </a:p>
           <a:p>
